--- a/diagrams/dramatic-roles.pptx
+++ b/diagrams/dramatic-roles.pptx
@@ -3372,7 +3372,7 @@
         </p:nvSpPr>
         <p:spPr>
           <a:xfrm>
-            <a:off x="2341168" y="3032259"/>
+            <a:off x="673732" y="2427142"/>
             <a:ext cx="1134737" cy="1101687"/>
           </a:xfrm>
           <a:prstGeom prst="roundRect">
@@ -3434,7 +3434,7 @@
         </p:nvSpPr>
         <p:spPr>
           <a:xfrm>
-            <a:off x="1783527" y="738129"/>
+            <a:off x="116091" y="133012"/>
             <a:ext cx="2150128" cy="4015454"/>
           </a:xfrm>
           <a:prstGeom prst="roundRect">
@@ -3481,7 +3481,7 @@
         </p:nvSpPr>
         <p:spPr>
           <a:xfrm>
-            <a:off x="2341167" y="1225624"/>
+            <a:off x="673731" y="620507"/>
             <a:ext cx="1134737" cy="1101687"/>
           </a:xfrm>
           <a:prstGeom prst="roundRect">
@@ -3554,7 +3554,7 @@
         </p:nvSpPr>
         <p:spPr>
           <a:xfrm>
-            <a:off x="2576301" y="828885"/>
+            <a:off x="908865" y="223768"/>
             <a:ext cx="564578" cy="369332"/>
           </a:xfrm>
           <a:prstGeom prst="rect">
@@ -3589,7 +3589,7 @@
         </p:nvSpPr>
         <p:spPr>
           <a:xfrm>
-            <a:off x="6332178" y="3035700"/>
+            <a:off x="4664742" y="2430583"/>
             <a:ext cx="1134737" cy="1101687"/>
           </a:xfrm>
           <a:prstGeom prst="roundRect">
@@ -3627,13 +3627,18 @@
           <a:p>
             <a:pPr algn="ctr"/>
             <a:r>
-              <a:rPr lang="en-US" sz="1400" dirty="0">
+              <a:rPr lang="en-US" sz="1400">
                 <a:solidFill>
                   <a:schemeClr val="tx1"/>
                 </a:solidFill>
               </a:rPr>
-              <a:t>“User”</a:t>
-            </a:r>
+              <a:t>User</a:t>
+            </a:r>
+            <a:endParaRPr lang="en-US" sz="1400" dirty="0">
+              <a:solidFill>
+                <a:schemeClr val="tx1"/>
+              </a:solidFill>
+            </a:endParaRPr>
           </a:p>
         </p:txBody>
       </p:sp>
@@ -3651,8 +3656,8 @@
         </p:nvSpPr>
         <p:spPr>
           <a:xfrm>
-            <a:off x="1783526" y="5013763"/>
-            <a:ext cx="6152984" cy="1730790"/>
+            <a:off x="116090" y="4408646"/>
+            <a:ext cx="4220035" cy="1730790"/>
           </a:xfrm>
           <a:prstGeom prst="roundRect">
             <a:avLst/>
@@ -3698,7 +3703,7 @@
         </p:nvSpPr>
         <p:spPr>
           <a:xfrm>
-            <a:off x="6332178" y="1263999"/>
+            <a:off x="4664742" y="658882"/>
             <a:ext cx="1134737" cy="1101687"/>
           </a:xfrm>
           <a:prstGeom prst="roundRect">
@@ -3760,7 +3765,7 @@
         </p:nvSpPr>
         <p:spPr>
           <a:xfrm>
-            <a:off x="6484580" y="894667"/>
+            <a:off x="4817144" y="289550"/>
             <a:ext cx="753732" cy="369332"/>
           </a:xfrm>
           <a:prstGeom prst="rect">
@@ -3803,7 +3808,7 @@
         </p:nvCxnSpPr>
         <p:spPr>
           <a:xfrm>
-            <a:off x="3475905" y="3583103"/>
+            <a:off x="1808469" y="2977986"/>
             <a:ext cx="2856273" cy="3441"/>
           </a:xfrm>
           <a:prstGeom prst="straightConnector1">
@@ -3847,7 +3852,7 @@
         </p:nvCxnSpPr>
         <p:spPr>
           <a:xfrm>
-            <a:off x="6899547" y="2365686"/>
+            <a:off x="5232111" y="1760569"/>
             <a:ext cx="0" cy="670014"/>
           </a:xfrm>
           <a:prstGeom prst="straightConnector1">
@@ -3894,7 +3899,7 @@
         </p:nvCxnSpPr>
         <p:spPr>
           <a:xfrm>
-            <a:off x="2908536" y="2327311"/>
+            <a:off x="1241100" y="1722194"/>
             <a:ext cx="1" cy="704948"/>
           </a:xfrm>
           <a:prstGeom prst="straightConnector1">
@@ -3934,7 +3939,7 @@
         </p:nvSpPr>
         <p:spPr>
           <a:xfrm>
-            <a:off x="4422237" y="3325837"/>
+            <a:off x="2754801" y="2720720"/>
             <a:ext cx="875561" cy="307777"/>
           </a:xfrm>
           <a:prstGeom prst="rect">
@@ -3969,7 +3974,7 @@
         </p:nvSpPr>
         <p:spPr>
           <a:xfrm>
-            <a:off x="2178382" y="5229797"/>
+            <a:off x="510946" y="4624680"/>
             <a:ext cx="1460305" cy="1101686"/>
           </a:xfrm>
           <a:prstGeom prst="roundRect">
@@ -4035,7 +4040,7 @@
         </p:nvCxnSpPr>
         <p:spPr>
           <a:xfrm flipH="1">
-            <a:off x="2908535" y="4133946"/>
+            <a:off x="1241099" y="3528829"/>
             <a:ext cx="2" cy="1095851"/>
           </a:xfrm>
           <a:prstGeom prst="straightConnector1">
@@ -4074,7 +4079,7 @@
         </p:nvSpPr>
         <p:spPr>
           <a:xfrm>
-            <a:off x="6332177" y="5229797"/>
+            <a:off x="4626641" y="4630319"/>
             <a:ext cx="1134737" cy="1101687"/>
           </a:xfrm>
           <a:prstGeom prst="roundRect">
@@ -4136,7 +4141,7 @@
         </p:nvSpPr>
         <p:spPr>
           <a:xfrm>
-            <a:off x="4167357" y="5229792"/>
+            <a:off x="2499921" y="4624675"/>
             <a:ext cx="1460306" cy="1101686"/>
           </a:xfrm>
           <a:prstGeom prst="roundRect">
@@ -4198,7 +4203,7 @@
         </p:nvSpPr>
         <p:spPr>
           <a:xfrm>
-            <a:off x="5786382" y="738129"/>
+            <a:off x="4118946" y="133012"/>
             <a:ext cx="2150128" cy="4015454"/>
           </a:xfrm>
           <a:prstGeom prst="roundRect">
@@ -4247,7 +4252,7 @@
         </p:nvCxnSpPr>
         <p:spPr>
           <a:xfrm rot="16200000" flipH="1">
-            <a:off x="3273272" y="4013327"/>
+            <a:off x="1605836" y="3408210"/>
             <a:ext cx="1408811" cy="1046689"/>
           </a:xfrm>
           <a:prstGeom prst="curvedConnector3">
@@ -4291,7 +4296,7 @@
         </p:nvCxnSpPr>
         <p:spPr>
           <a:xfrm rot="5400000">
-            <a:off x="5045631" y="3954531"/>
+            <a:off x="3378195" y="3349414"/>
             <a:ext cx="1366150" cy="1206947"/>
           </a:xfrm>
           <a:prstGeom prst="curvedConnector3">
@@ -4337,7 +4342,7 @@
         </p:nvCxnSpPr>
         <p:spPr>
           <a:xfrm rot="5400000">
-            <a:off x="4466476" y="2796721"/>
+            <a:off x="2799040" y="2191604"/>
             <a:ext cx="2864106" cy="2002037"/>
           </a:xfrm>
           <a:prstGeom prst="curvedConnector3">
@@ -4383,12 +4388,12 @@
         </p:nvCxnSpPr>
         <p:spPr>
           <a:xfrm rot="16200000" flipH="1">
-            <a:off x="4904040" y="4335977"/>
-            <a:ext cx="1" cy="3991011"/>
+            <a:off x="3214734" y="3752730"/>
+            <a:ext cx="5640" cy="3952911"/>
           </a:xfrm>
           <a:prstGeom prst="curvedConnector3">
             <a:avLst>
-              <a:gd name="adj1" fmla="val 22860100000"/>
+              <a:gd name="adj1" fmla="val 4153191"/>
             </a:avLst>
           </a:prstGeom>
           <a:ln>
@@ -4429,8 +4434,8 @@
         </p:nvCxnSpPr>
         <p:spPr>
           <a:xfrm>
-            <a:off x="5627663" y="5780635"/>
-            <a:ext cx="704514" cy="6"/>
+            <a:off x="3960227" y="5175518"/>
+            <a:ext cx="666414" cy="5645"/>
           </a:xfrm>
           <a:prstGeom prst="curvedConnector3">
             <a:avLst>
